--- a/docs/poster.pptx
+++ b/docs/poster.pptx
@@ -203,7 +203,7 @@
           <a:p>
             <a:fld id="{F1C0B079-A316-4C9B-B165-DF9EA8325D2C}" type="datetimeFigureOut">
               <a:rPr lang="en-US" smtClean="0"/>
-              <a:t>4/4/18</a:t>
+              <a:t>4/4/2018</a:t>
             </a:fld>
             <a:endParaRPr lang="en-US"/>
           </a:p>
@@ -368,7 +368,7 @@
           <a:p>
             <a:fld id="{38F28AB8-57D1-494F-9851-055AD867E790}" type="datetimeFigureOut">
               <a:rPr lang="en-US" smtClean="0"/>
-              <a:t>4/3/18</a:t>
+              <a:t>4/4/2018</a:t>
             </a:fld>
             <a:endParaRPr lang="en-US"/>
           </a:p>
@@ -3916,7 +3916,7 @@
           <a:p>
             <a:fld id="{ECAA57DF-1C19-4726-AB84-014692BAD8F5}" type="datetimeFigureOut">
               <a:rPr lang="en-US" smtClean="0"/>
-              <a:t>4/3/18</a:t>
+              <a:t>4/4/2018</a:t>
             </a:fld>
             <a:endParaRPr lang="en-US"/>
           </a:p>
@@ -4255,7 +4255,7 @@
             <a:fld id="{ECAA57DF-1C19-4726-AB84-014692BAD8F5}" type="datetimeFigureOut">
               <a:rPr lang="en-US" smtClean="0"/>
               <a:pPr/>
-              <a:t>4/3/18</a:t>
+              <a:t>4/4/2018</a:t>
             </a:fld>
             <a:endParaRPr lang="en-US"/>
           </a:p>
@@ -5047,7 +5047,21 @@
                 <a:latin typeface="Times New Roman" panose="02020603050405020304" pitchFamily="18" charset="0"/>
                 <a:cs typeface="Times New Roman" panose="02020603050405020304" pitchFamily="18" charset="0"/>
               </a:rPr>
-              <a:t>How does the data set differ in skewed-top corridors based on the variation of parameters? </a:t>
+              <a:t>How does the data set differ in skewed-top corridors based on </a:t>
+            </a:r>
+            <a:r>
+              <a:rPr lang="en-US" sz="2800" dirty="0" smtClean="0">
+                <a:latin typeface="Times New Roman" panose="02020603050405020304" pitchFamily="18" charset="0"/>
+                <a:cs typeface="Times New Roman" panose="02020603050405020304" pitchFamily="18" charset="0"/>
+              </a:rPr>
+              <a:t>different combinations </a:t>
+            </a:r>
+            <a:r>
+              <a:rPr lang="en-US" sz="2800" dirty="0">
+                <a:latin typeface="Times New Roman" panose="02020603050405020304" pitchFamily="18" charset="0"/>
+                <a:cs typeface="Times New Roman" panose="02020603050405020304" pitchFamily="18" charset="0"/>
+              </a:rPr>
+              <a:t>of parameters? </a:t>
             </a:r>
           </a:p>
           <a:p>
@@ -5105,8 +5119,8 @@
         </p:nvSpPr>
         <p:spPr>
           <a:xfrm>
-            <a:off x="832105" y="17096295"/>
-            <a:ext cx="10816480" cy="4778472"/>
+            <a:off x="832105" y="16767900"/>
+            <a:ext cx="10816480" cy="5418963"/>
           </a:xfrm>
         </p:spPr>
         <p:txBody>
@@ -5161,7 +5175,35 @@
                 <a:latin typeface="Times New Roman" panose="02020603050405020304" pitchFamily="18" charset="0"/>
                 <a:cs typeface="Times New Roman" panose="02020603050405020304" pitchFamily="18" charset="0"/>
               </a:rPr>
-              <a:t>When generating the corridors, we fix 3 out of 4 of our initial conditions. With these conditions set, we call this a </a:t>
+              <a:t>When generating the corridors, we fix 3 out of 4 of our initial conditions. With these </a:t>
+            </a:r>
+            <a:r>
+              <a:rPr lang="en-US" sz="3200" dirty="0" smtClean="0">
+                <a:latin typeface="Times New Roman" panose="02020603050405020304" pitchFamily="18" charset="0"/>
+                <a:cs typeface="Times New Roman" panose="02020603050405020304" pitchFamily="18" charset="0"/>
+              </a:rPr>
+              <a:t>parameters</a:t>
+            </a:r>
+            <a:r>
+              <a:rPr lang="en-US" sz="3200" dirty="0" smtClean="0">
+                <a:latin typeface="Times New Roman" panose="02020603050405020304" pitchFamily="18" charset="0"/>
+                <a:cs typeface="Times New Roman" panose="02020603050405020304" pitchFamily="18" charset="0"/>
+              </a:rPr>
+              <a:t> </a:t>
+            </a:r>
+            <a:r>
+              <a:rPr lang="en-US" sz="3200" dirty="0">
+                <a:latin typeface="Times New Roman" panose="02020603050405020304" pitchFamily="18" charset="0"/>
+                <a:cs typeface="Times New Roman" panose="02020603050405020304" pitchFamily="18" charset="0"/>
+              </a:rPr>
+              <a:t>set</a:t>
+            </a:r>
+            <a:r>
+              <a:rPr lang="en-US" sz="3200" dirty="0" smtClean="0">
+                <a:latin typeface="Times New Roman" panose="02020603050405020304" pitchFamily="18" charset="0"/>
+                <a:cs typeface="Times New Roman" panose="02020603050405020304" pitchFamily="18" charset="0"/>
+              </a:rPr>
+              <a:t>, the numbers that we calculate are called a </a:t>
             </a:r>
             <a:r>
               <a:rPr lang="en-US" sz="3200" b="1" dirty="0">
@@ -5196,7 +5238,7 @@
         </p:nvSpPr>
         <p:spPr>
           <a:xfrm>
-            <a:off x="31445200" y="5543463"/>
+            <a:off x="31316640" y="5702495"/>
             <a:ext cx="11531753" cy="9041589"/>
           </a:xfrm>
         </p:spPr>
@@ -5326,8 +5368,75 @@
                 <a:latin typeface="Times New Roman" panose="02020603050405020304" pitchFamily="18" charset="0"/>
                 <a:cs typeface="Times New Roman" panose="02020603050405020304" pitchFamily="18" charset="0"/>
               </a:rPr>
-              <a:t>We’ve concluded that there are sequences of degree n within the corridor and contribute to each other to create new sequences of degree n+1, n+2, ... When sequences are added together, their sums create new sequences of a higher degree. Similarly, sequences with a higher degree have a common difference with the previous sequence contribution and degrade into linear sequences, that is, arithmetic sequences of degree one. </a:t>
-            </a:r>
+              <a:t>We’ve concluded that there are sequences of degree</a:t>
+            </a:r>
+            <a:r>
+              <a:rPr lang="en-US" sz="2800" b="1" i="1" dirty="0">
+                <a:latin typeface="Times New Roman" panose="02020603050405020304" pitchFamily="18" charset="0"/>
+                <a:cs typeface="Times New Roman" panose="02020603050405020304" pitchFamily="18" charset="0"/>
+              </a:rPr>
+              <a:t> n </a:t>
+            </a:r>
+            <a:r>
+              <a:rPr lang="en-US" sz="2800" dirty="0">
+                <a:latin typeface="Times New Roman" panose="02020603050405020304" pitchFamily="18" charset="0"/>
+                <a:cs typeface="Times New Roman" panose="02020603050405020304" pitchFamily="18" charset="0"/>
+              </a:rPr>
+              <a:t>within the corridor and contribute to each other to create new sequences of degree </a:t>
+            </a:r>
+            <a:r>
+              <a:rPr lang="en-US" sz="2800" b="1" i="1" dirty="0">
+                <a:latin typeface="Times New Roman" panose="02020603050405020304" pitchFamily="18" charset="0"/>
+                <a:cs typeface="Times New Roman" panose="02020603050405020304" pitchFamily="18" charset="0"/>
+              </a:rPr>
+              <a:t>n+1</a:t>
+            </a:r>
+            <a:r>
+              <a:rPr lang="en-US" sz="2800" dirty="0">
+                <a:latin typeface="Times New Roman" panose="02020603050405020304" pitchFamily="18" charset="0"/>
+                <a:cs typeface="Times New Roman" panose="02020603050405020304" pitchFamily="18" charset="0"/>
+              </a:rPr>
+              <a:t>, </a:t>
+            </a:r>
+            <a:r>
+              <a:rPr lang="en-US" sz="2800" b="1" i="1" dirty="0">
+                <a:latin typeface="Times New Roman" panose="02020603050405020304" pitchFamily="18" charset="0"/>
+                <a:cs typeface="Times New Roman" panose="02020603050405020304" pitchFamily="18" charset="0"/>
+              </a:rPr>
+              <a:t>n+2</a:t>
+            </a:r>
+            <a:r>
+              <a:rPr lang="en-US" sz="2800" dirty="0">
+                <a:latin typeface="Times New Roman" panose="02020603050405020304" pitchFamily="18" charset="0"/>
+                <a:cs typeface="Times New Roman" panose="02020603050405020304" pitchFamily="18" charset="0"/>
+              </a:rPr>
+              <a:t>, ... </a:t>
+            </a:r>
+            <a:r>
+              <a:rPr lang="en-US" sz="2800" dirty="0">
+                <a:latin typeface="Times New Roman" panose="02020603050405020304" pitchFamily="18" charset="0"/>
+                <a:cs typeface="Times New Roman" panose="02020603050405020304" pitchFamily="18" charset="0"/>
+              </a:rPr>
+              <a:t>Just as integration of a polynomial increases its degree by 1, the segments of diagonal sequences increase in degree going down the </a:t>
+            </a:r>
+            <a:r>
+              <a:rPr lang="en-US" sz="2800" dirty="0" smtClean="0">
+                <a:latin typeface="Times New Roman" panose="02020603050405020304" pitchFamily="18" charset="0"/>
+                <a:cs typeface="Times New Roman" panose="02020603050405020304" pitchFamily="18" charset="0"/>
+              </a:rPr>
+              <a:t>corridor. Each </a:t>
+            </a:r>
+            <a:r>
+              <a:rPr lang="en-US" sz="2800" dirty="0">
+                <a:latin typeface="Times New Roman" panose="02020603050405020304" pitchFamily="18" charset="0"/>
+                <a:cs typeface="Times New Roman" panose="02020603050405020304" pitchFamily="18" charset="0"/>
+              </a:rPr>
+              <a:t>segment is the cumulative sum of the segment directly above it.</a:t>
+            </a:r>
+            <a:endParaRPr lang="en-US" sz="2400" dirty="0">
+              <a:latin typeface="Times New Roman" panose="02020603050405020304" pitchFamily="18" charset="0"/>
+              <a:cs typeface="Times New Roman" panose="02020603050405020304" pitchFamily="18" charset="0"/>
+            </a:endParaRPr>
           </a:p>
           <a:p>
             <a:endParaRPr lang="en-US" sz="2800" dirty="0">
@@ -5337,11 +5446,32 @@
           </a:p>
           <a:p>
             <a:r>
+              <a:rPr lang="en-US" sz="2800" dirty="0" smtClean="0">
+                <a:latin typeface="Times New Roman" panose="02020603050405020304" pitchFamily="18" charset="0"/>
+                <a:cs typeface="Times New Roman" panose="02020603050405020304" pitchFamily="18" charset="0"/>
+              </a:rPr>
+              <a:t>This behavior has been noticed in the corridors’ diagonals. If one chooses a diagonal with starting point at </a:t>
+            </a:r>
+            <a:r>
+              <a:rPr lang="en-US" sz="2800" b="1" i="1" dirty="0" smtClean="0">
+                <a:latin typeface="Times New Roman" panose="02020603050405020304" pitchFamily="18" charset="0"/>
+                <a:cs typeface="Times New Roman" panose="02020603050405020304" pitchFamily="18" charset="0"/>
+              </a:rPr>
+              <a:t>(0, 2k + 1)</a:t>
+            </a:r>
+            <a:r>
               <a:rPr lang="en-US" sz="2800" dirty="0">
                 <a:latin typeface="Times New Roman" panose="02020603050405020304" pitchFamily="18" charset="0"/>
                 <a:cs typeface="Times New Roman" panose="02020603050405020304" pitchFamily="18" charset="0"/>
               </a:rPr>
-              <a:t>This behavior has been noticed in the corridors’ diagonals. If one chooses a diagonal with starting point at (0, 2k + 1), the sequence will degrade into a linear sequence by the time the diagonal reaches the upper boundary line.</a:t>
+              <a:t>, the sequence will degrade into a linear sequence by the time the diagonal reaches the upper boundary line. </a:t>
+            </a:r>
+            <a:r>
+              <a:rPr lang="en-US" sz="2800" dirty="0">
+                <a:latin typeface="Times New Roman" panose="02020603050405020304" pitchFamily="18" charset="0"/>
+                <a:cs typeface="Times New Roman" panose="02020603050405020304" pitchFamily="18" charset="0"/>
+              </a:rPr>
+              <a:t> </a:t>
             </a:r>
             <a:endParaRPr lang="en-US" sz="2400" dirty="0">
               <a:latin typeface="Times New Roman" panose="02020603050405020304" pitchFamily="18" charset="0"/>
@@ -5356,18 +5486,25 @@
               </a:rPr>
               <a:t> </a:t>
             </a:r>
-            <a:endParaRPr lang="en-US" sz="2400" dirty="0">
+            <a:endParaRPr lang="en-US" sz="2800" dirty="0" smtClean="0">
               <a:latin typeface="Times New Roman" panose="02020603050405020304" pitchFamily="18" charset="0"/>
               <a:cs typeface="Times New Roman" panose="02020603050405020304" pitchFamily="18" charset="0"/>
             </a:endParaRPr>
           </a:p>
           <a:p>
             <a:r>
+              <a:rPr lang="en-US" sz="2800" dirty="0" smtClean="0">
+                <a:latin typeface="Times New Roman" panose="02020603050405020304" pitchFamily="18" charset="0"/>
+                <a:cs typeface="Times New Roman" panose="02020603050405020304" pitchFamily="18" charset="0"/>
+              </a:rPr>
+              <a:t>In </a:t>
+            </a:r>
+            <a:r>
               <a:rPr lang="en-US" sz="2800" dirty="0">
                 <a:latin typeface="Times New Roman" panose="02020603050405020304" pitchFamily="18" charset="0"/>
                 <a:cs typeface="Times New Roman" panose="02020603050405020304" pitchFamily="18" charset="0"/>
               </a:rPr>
-              <a:t> In addition, comparing the linear sequences that appear near the surface of the sentinel lines of corridors as the gap size increases reveal another relationship. With a fixed slope of one-half, 4-element linear sequences appear near the sentinel lines. As the gap size increases in these fixed corridors, the values of these 4-element sequences are part of degree n sequences as well.</a:t>
+              <a:t>addition, comparing the linear sequences that appear near the surface of the sentinel lines of corridors as the gap size increases reveal another relationship. With a fixed slope of one-half, 4-element linear sequences appear near the sentinel lines. As the gap size increases in these fixed corridors, the values of these 4-element sequences are part of degree n sequences as well.</a:t>
             </a:r>
             <a:endParaRPr lang="en-US" sz="2400" dirty="0">
               <a:latin typeface="Times New Roman" panose="02020603050405020304" pitchFamily="18" charset="0"/>
@@ -5412,7 +5549,21 @@
                 <a:latin typeface="Times New Roman" panose="02020603050405020304" pitchFamily="18" charset="0"/>
                 <a:cs typeface="Times New Roman" panose="02020603050405020304" pitchFamily="18" charset="0"/>
               </a:rPr>
-              <a:t>The integer sequences that we’ve noticed are compelling and are not listed in the OEIS. We will further investigate the skewed-top corridor sequences and the information that they encode.</a:t>
+              <a:t>The integer sequences that we’ve noticed are compelling and are not listed in the OEIS. We will further investigate the skewed-top corridor sequences and the information that they </a:t>
+            </a:r>
+            <a:r>
+              <a:rPr lang="en-US" sz="2800" dirty="0" smtClean="0">
+                <a:latin typeface="Times New Roman" panose="02020603050405020304" pitchFamily="18" charset="0"/>
+                <a:cs typeface="Times New Roman" panose="02020603050405020304" pitchFamily="18" charset="0"/>
+              </a:rPr>
+              <a:t>might encode</a:t>
+            </a:r>
+            <a:r>
+              <a:rPr lang="en-US" sz="2800" dirty="0">
+                <a:latin typeface="Times New Roman" panose="02020603050405020304" pitchFamily="18" charset="0"/>
+                <a:cs typeface="Times New Roman" panose="02020603050405020304" pitchFamily="18" charset="0"/>
+              </a:rPr>
+              <a:t>.</a:t>
             </a:r>
           </a:p>
         </p:txBody>
@@ -6422,8 +6573,8 @@
         </p:nvSpPr>
         <p:spPr bwMode="ltGray">
           <a:xfrm>
-            <a:off x="22116454" y="5703867"/>
-            <a:ext cx="7768004" cy="6970560"/>
+            <a:off x="22116454" y="5703866"/>
+            <a:ext cx="7768004" cy="8329056"/>
           </a:xfrm>
           <a:prstGeom prst="rect">
             <a:avLst/>
@@ -6679,36 +6830,65 @@
           </a:p>
           <a:p>
             <a:r>
-              <a:rPr lang="en-US" sz="2800" dirty="0">
-                <a:latin typeface="Times New Roman" panose="02020603050405020304" pitchFamily="18" charset="0"/>
-                <a:cs typeface="Times New Roman" panose="02020603050405020304" pitchFamily="18" charset="0"/>
-              </a:rPr>
-              <a:t>Some relationships that we’ve noticed on the diagonals are </a:t>
-            </a:r>
-          </a:p>
-          <a:p>
-            <a:endParaRPr lang="en-US" sz="2800" dirty="0">
+              <a:rPr lang="en-US" sz="2800" dirty="0" smtClean="0">
+                <a:latin typeface="Times New Roman" panose="02020603050405020304" pitchFamily="18" charset="0"/>
+                <a:cs typeface="Times New Roman" panose="02020603050405020304" pitchFamily="18" charset="0"/>
+              </a:rPr>
+              <a:t>The first diagonal in the corridor can be expressed as start and end points: </a:t>
+            </a:r>
+          </a:p>
+          <a:p>
+            <a:pPr algn="ctr"/>
+            <a:r>
+              <a:rPr lang="en-US" sz="2800" b="1" i="1" dirty="0" smtClean="0">
+                <a:latin typeface="Times New Roman" panose="02020603050405020304" pitchFamily="18" charset="0"/>
+                <a:cs typeface="Times New Roman" panose="02020603050405020304" pitchFamily="18" charset="0"/>
+              </a:rPr>
+              <a:t>Start: (0, 1)   End: (2g, 2g-1)</a:t>
+            </a:r>
+          </a:p>
+          <a:p>
+            <a:endParaRPr lang="en-US" sz="2800" b="1" i="1" dirty="0" smtClean="0">
               <a:latin typeface="Times New Roman" panose="02020603050405020304" pitchFamily="18" charset="0"/>
               <a:cs typeface="Times New Roman" panose="02020603050405020304" pitchFamily="18" charset="0"/>
             </a:endParaRPr>
           </a:p>
           <a:p>
-            <a:endParaRPr lang="en-US" sz="2800" dirty="0">
+            <a:r>
+              <a:rPr lang="en-US" sz="2800" dirty="0" smtClean="0">
+                <a:latin typeface="Times New Roman" panose="02020603050405020304" pitchFamily="18" charset="0"/>
+                <a:cs typeface="Times New Roman" panose="02020603050405020304" pitchFamily="18" charset="0"/>
+              </a:rPr>
+              <a:t>Other diagonals from the initial can be computed in the following way, where </a:t>
+            </a:r>
+            <a:r>
+              <a:rPr lang="en-US" sz="2800" b="1" i="1" dirty="0" smtClean="0">
+                <a:latin typeface="Times New Roman" panose="02020603050405020304" pitchFamily="18" charset="0"/>
+                <a:cs typeface="Times New Roman" panose="02020603050405020304" pitchFamily="18" charset="0"/>
+              </a:rPr>
+              <a:t>D</a:t>
+            </a:r>
+            <a:r>
+              <a:rPr lang="en-US" sz="2800" dirty="0" smtClean="0">
+                <a:latin typeface="Times New Roman" panose="02020603050405020304" pitchFamily="18" charset="0"/>
+                <a:cs typeface="Times New Roman" panose="02020603050405020304" pitchFamily="18" charset="0"/>
+              </a:rPr>
+              <a:t> is the diagonal number in the corridor:</a:t>
+            </a:r>
+            <a:endParaRPr lang="en-US" sz="2800" b="1" i="1" dirty="0" smtClean="0">
               <a:latin typeface="Times New Roman" panose="02020603050405020304" pitchFamily="18" charset="0"/>
               <a:cs typeface="Times New Roman" panose="02020603050405020304" pitchFamily="18" charset="0"/>
             </a:endParaRPr>
           </a:p>
           <a:p>
-            <a:endParaRPr lang="en-US" sz="2800" dirty="0">
-              <a:latin typeface="Times New Roman" panose="02020603050405020304" pitchFamily="18" charset="0"/>
-              <a:cs typeface="Times New Roman" panose="02020603050405020304" pitchFamily="18" charset="0"/>
-            </a:endParaRPr>
-          </a:p>
-          <a:p>
-            <a:endParaRPr lang="en-US" sz="2800" dirty="0">
-              <a:latin typeface="Times New Roman" panose="02020603050405020304" pitchFamily="18" charset="0"/>
-              <a:cs typeface="Times New Roman" panose="02020603050405020304" pitchFamily="18" charset="0"/>
-            </a:endParaRPr>
+            <a:pPr algn="ctr"/>
+            <a:r>
+              <a:rPr lang="en-US" sz="2800" b="1" i="1" dirty="0" smtClean="0">
+                <a:latin typeface="Times New Roman" panose="02020603050405020304" pitchFamily="18" charset="0"/>
+                <a:cs typeface="Times New Roman" panose="02020603050405020304" pitchFamily="18" charset="0"/>
+              </a:rPr>
+              <a:t>Start:(2g-D, 2g+D)   End:(2g-D+4, 2g+D+4)</a:t>
+            </a:r>
           </a:p>
         </p:txBody>
       </p:sp>
@@ -6740,8 +6920,8 @@
         </p:blipFill>
         <p:spPr>
           <a:xfrm>
-            <a:off x="22448930" y="17967760"/>
-            <a:ext cx="6920193" cy="3890709"/>
+            <a:off x="22116454" y="18649586"/>
+            <a:ext cx="7258149" cy="3890709"/>
           </a:xfrm>
           <a:prstGeom prst="rect">
             <a:avLst/>
@@ -6781,7 +6961,7 @@
         </p:blipFill>
         <p:spPr>
           <a:xfrm>
-            <a:off x="22282692" y="13375739"/>
+            <a:off x="22121932" y="14344124"/>
             <a:ext cx="7252671" cy="3890709"/>
           </a:xfrm>
           <a:prstGeom prst="rect">
@@ -6835,47 +7015,6 @@
           </a:ln>
         </p:spPr>
       </p:pic>
-      <p:pic>
-        <p:nvPicPr>
-          <p:cNvPr id="3" name="Picture 2">
-            <a:extLst>
-              <a:ext uri="{FF2B5EF4-FFF2-40B4-BE49-F238E27FC236}">
-                <a16:creationId xmlns:a16="http://schemas.microsoft.com/office/drawing/2014/main" id="{FB3C7596-D3F4-D648-BEAD-5C4CEE82D2E7}"/>
-              </a:ext>
-            </a:extLst>
-          </p:cNvPr>
-          <p:cNvPicPr>
-            <a:picLocks noChangeAspect="1"/>
-          </p:cNvPicPr>
-          <p:nvPr/>
-        </p:nvPicPr>
-        <p:blipFill>
-          <a:blip r:embed="rId7">
-            <a:extLst>
-              <a:ext uri="{28A0092B-C50C-407E-A947-70E740481C1C}">
-                <a14:useLocalDpi xmlns:a14="http://schemas.microsoft.com/office/drawing/2010/main" val="0"/>
-              </a:ext>
-            </a:extLst>
-          </a:blip>
-          <a:stretch>
-            <a:fillRect/>
-          </a:stretch>
-        </p:blipFill>
-        <p:spPr>
-          <a:xfrm>
-            <a:off x="18377314" y="22842697"/>
-            <a:ext cx="8075312" cy="9632604"/>
-          </a:xfrm>
-          <a:prstGeom prst="rect">
-            <a:avLst/>
-          </a:prstGeom>
-          <a:ln>
-            <a:solidFill>
-              <a:schemeClr val="tx1"/>
-            </a:solidFill>
-          </a:ln>
-        </p:spPr>
-      </p:pic>
       <p:sp>
         <p:nvSpPr>
           <p:cNvPr id="21" name="Text Placeholder 68">
@@ -6892,8 +7031,8 @@
         </p:nvSpPr>
         <p:spPr bwMode="ltGray">
           <a:xfrm>
-            <a:off x="31445200" y="28739175"/>
-            <a:ext cx="11569699" cy="2939719"/>
+            <a:off x="30659294" y="28243880"/>
+            <a:ext cx="12355605" cy="4179225"/>
           </a:xfrm>
           <a:prstGeom prst="rect">
             <a:avLst/>
@@ -7130,47 +7269,197 @@
           </a:p>
           <a:p>
             <a:r>
+              <a:rPr lang="en-US" sz="2800" dirty="0" smtClean="0">
+                <a:latin typeface="Times New Roman" panose="02020603050405020304" pitchFamily="18" charset="0"/>
+                <a:cs typeface="Times New Roman" panose="02020603050405020304" pitchFamily="18" charset="0"/>
+              </a:rPr>
+              <a:t>1. Shaun </a:t>
+            </a:r>
+            <a:r>
               <a:rPr lang="en-US" sz="2800" dirty="0">
                 <a:latin typeface="Times New Roman" panose="02020603050405020304" pitchFamily="18" charset="0"/>
                 <a:cs typeface="Times New Roman" panose="02020603050405020304" pitchFamily="18" charset="0"/>
               </a:rPr>
-              <a:t>Ault, </a:t>
+              <a:t>Ault and Charles Kicey </a:t>
+            </a:r>
+            <a:r>
+              <a:rPr lang="en-US" sz="2800" i="1" dirty="0">
+                <a:latin typeface="Times New Roman" panose="02020603050405020304" pitchFamily="18" charset="0"/>
+                <a:cs typeface="Times New Roman" panose="02020603050405020304" pitchFamily="18" charset="0"/>
+              </a:rPr>
+              <a:t>Counting Lattice Paths Using Fourier </a:t>
+            </a:r>
+            <a:r>
+              <a:rPr lang="en-US" sz="2800" i="1" dirty="0" smtClean="0">
+                <a:latin typeface="Times New Roman" panose="02020603050405020304" pitchFamily="18" charset="0"/>
+                <a:cs typeface="Times New Roman" panose="02020603050405020304" pitchFamily="18" charset="0"/>
+              </a:rPr>
+              <a:t>Methods</a:t>
+            </a:r>
+          </a:p>
+          <a:p>
+            <a:r>
+              <a:rPr lang="en-US" sz="2800" dirty="0" smtClean="0">
+                <a:latin typeface="Times New Roman" panose="02020603050405020304" pitchFamily="18" charset="0"/>
+                <a:cs typeface="Times New Roman" panose="02020603050405020304" pitchFamily="18" charset="0"/>
+              </a:rPr>
+              <a:t>2. Kenneth </a:t>
+            </a:r>
+            <a:r>
+              <a:rPr lang="en-US" sz="2800" dirty="0">
+                <a:latin typeface="Times New Roman" panose="02020603050405020304" pitchFamily="18" charset="0"/>
+                <a:cs typeface="Times New Roman" panose="02020603050405020304" pitchFamily="18" charset="0"/>
+              </a:rPr>
+              <a:t>H. Rosen </a:t>
+            </a:r>
+            <a:r>
+              <a:rPr lang="en-US" sz="2800" i="1" dirty="0">
+                <a:latin typeface="Times New Roman" panose="02020603050405020304" pitchFamily="18" charset="0"/>
+                <a:cs typeface="Times New Roman" panose="02020603050405020304" pitchFamily="18" charset="0"/>
+              </a:rPr>
+              <a:t>Discrete Mathematics and Its Applications</a:t>
+            </a:r>
+            <a:endParaRPr lang="en-US" sz="2800" i="1" dirty="0" smtClean="0">
+              <a:latin typeface="Times New Roman" panose="02020603050405020304" pitchFamily="18" charset="0"/>
+              <a:cs typeface="Times New Roman" panose="02020603050405020304" pitchFamily="18" charset="0"/>
+            </a:endParaRPr>
+          </a:p>
+          <a:p>
+            <a:r>
+              <a:rPr lang="en-US" sz="2800" dirty="0">
+                <a:latin typeface="Times New Roman" panose="02020603050405020304" pitchFamily="18" charset="0"/>
+                <a:cs typeface="Times New Roman" panose="02020603050405020304" pitchFamily="18" charset="0"/>
+              </a:rPr>
+              <a:t> </a:t>
+            </a:r>
+            <a:r>
+              <a:rPr lang="en-US" sz="2800" dirty="0" smtClean="0">
+                <a:latin typeface="Times New Roman" panose="02020603050405020304" pitchFamily="18" charset="0"/>
+                <a:cs typeface="Times New Roman" panose="02020603050405020304" pitchFamily="18" charset="0"/>
+              </a:rPr>
+              <a:t>3. Richard </a:t>
+            </a:r>
+            <a:r>
+              <a:rPr lang="en-US" sz="2800" dirty="0">
+                <a:latin typeface="Times New Roman" panose="02020603050405020304" pitchFamily="18" charset="0"/>
+                <a:cs typeface="Times New Roman" panose="02020603050405020304" pitchFamily="18" charset="0"/>
+              </a:rPr>
+              <a:t>A. </a:t>
             </a:r>
             <a:r>
               <a:rPr lang="en-US" sz="2800" dirty="0" err="1">
                 <a:latin typeface="Times New Roman" panose="02020603050405020304" pitchFamily="18" charset="0"/>
                 <a:cs typeface="Times New Roman" panose="02020603050405020304" pitchFamily="18" charset="0"/>
               </a:rPr>
-              <a:t>Kicey</a:t>
+              <a:t>Brualdi</a:t>
             </a:r>
             <a:r>
               <a:rPr lang="en-US" sz="2800" dirty="0">
                 <a:latin typeface="Times New Roman" panose="02020603050405020304" pitchFamily="18" charset="0"/>
                 <a:cs typeface="Times New Roman" panose="02020603050405020304" pitchFamily="18" charset="0"/>
               </a:rPr>
-              <a:t> Book</a:t>
-            </a:r>
-          </a:p>
-          <a:p>
-            <a:r>
-              <a:rPr lang="en-US" sz="2800" dirty="0">
-                <a:latin typeface="Times New Roman" panose="02020603050405020304" pitchFamily="18" charset="0"/>
-                <a:cs typeface="Times New Roman" panose="02020603050405020304" pitchFamily="18" charset="0"/>
-              </a:rPr>
-              <a:t>OEIS</a:t>
-            </a:r>
-          </a:p>
-          <a:p>
-            <a:r>
-              <a:rPr lang="en-US" sz="2800" dirty="0">
-                <a:latin typeface="Times New Roman" panose="02020603050405020304" pitchFamily="18" charset="0"/>
-                <a:cs typeface="Times New Roman" panose="02020603050405020304" pitchFamily="18" charset="0"/>
-              </a:rPr>
-              <a:t>Others</a:t>
-            </a:r>
+              <a:t> </a:t>
+            </a:r>
+            <a:r>
+              <a:rPr lang="en-US" sz="2800" i="1" dirty="0">
+                <a:latin typeface="Times New Roman" panose="02020603050405020304" pitchFamily="18" charset="0"/>
+                <a:cs typeface="Times New Roman" panose="02020603050405020304" pitchFamily="18" charset="0"/>
+              </a:rPr>
+              <a:t>Introductory </a:t>
+            </a:r>
+            <a:r>
+              <a:rPr lang="en-US" sz="2800" i="1" dirty="0" err="1" smtClean="0">
+                <a:latin typeface="Times New Roman" panose="02020603050405020304" pitchFamily="18" charset="0"/>
+                <a:cs typeface="Times New Roman" panose="02020603050405020304" pitchFamily="18" charset="0"/>
+              </a:rPr>
+              <a:t>Combinatorics</a:t>
+            </a:r>
+            <a:endParaRPr lang="en-US" sz="2800" i="1" dirty="0" smtClean="0">
+              <a:latin typeface="Times New Roman" panose="02020603050405020304" pitchFamily="18" charset="0"/>
+              <a:cs typeface="Times New Roman" panose="02020603050405020304" pitchFamily="18" charset="0"/>
+            </a:endParaRPr>
+          </a:p>
+          <a:p>
+            <a:r>
+              <a:rPr lang="en-US" sz="2800" dirty="0" smtClean="0">
+                <a:latin typeface="Times New Roman" panose="02020603050405020304" pitchFamily="18" charset="0"/>
+                <a:cs typeface="Times New Roman" panose="02020603050405020304" pitchFamily="18" charset="0"/>
+              </a:rPr>
+              <a:t>4. </a:t>
+            </a:r>
+            <a:r>
+              <a:rPr lang="en-US" sz="2800" i="1" dirty="0" smtClean="0">
+                <a:latin typeface="Times New Roman" panose="02020603050405020304" pitchFamily="18" charset="0"/>
+                <a:cs typeface="Times New Roman" panose="02020603050405020304" pitchFamily="18" charset="0"/>
+              </a:rPr>
+              <a:t>The On-Line Encyclopedia of Integer Sequences</a:t>
+            </a:r>
+            <a:endParaRPr lang="en-US" sz="2800" i="1" dirty="0">
+              <a:latin typeface="Times New Roman" panose="02020603050405020304" pitchFamily="18" charset="0"/>
+              <a:cs typeface="Times New Roman" panose="02020603050405020304" pitchFamily="18" charset="0"/>
+            </a:endParaRPr>
           </a:p>
         </p:txBody>
       </p:sp>
+      <p:pic>
+        <p:nvPicPr>
+          <p:cNvPr id="2" name="Picture 1"/>
+          <p:cNvPicPr>
+            <a:picLocks noChangeAspect="1"/>
+          </p:cNvPicPr>
+          <p:nvPr/>
+        </p:nvPicPr>
+        <p:blipFill>
+          <a:blip r:embed="rId7"/>
+          <a:stretch>
+            <a:fillRect/>
+          </a:stretch>
+        </p:blipFill>
+        <p:spPr>
+          <a:xfrm>
+            <a:off x="19031357" y="22851497"/>
+            <a:ext cx="7657286" cy="9571608"/>
+          </a:xfrm>
+          <a:prstGeom prst="rect">
+            <a:avLst/>
+          </a:prstGeom>
+          <a:ln>
+            <a:solidFill>
+              <a:schemeClr val="tx1"/>
+            </a:solidFill>
+          </a:ln>
+        </p:spPr>
+      </p:pic>
+      <p:pic>
+        <p:nvPicPr>
+          <p:cNvPr id="3" name="Picture 2"/>
+          <p:cNvPicPr>
+            <a:picLocks noChangeAspect="1"/>
+          </p:cNvPicPr>
+          <p:nvPr/>
+        </p:nvPicPr>
+        <p:blipFill>
+          <a:blip r:embed="rId8" cstate="print">
+            <a:extLst>
+              <a:ext uri="{28A0092B-C50C-407E-A947-70E740481C1C}">
+                <a14:useLocalDpi xmlns:a14="http://schemas.microsoft.com/office/drawing/2010/main" val="0"/>
+              </a:ext>
+            </a:extLst>
+          </a:blip>
+          <a:stretch>
+            <a:fillRect/>
+          </a:stretch>
+        </p:blipFill>
+        <p:spPr>
+          <a:xfrm>
+            <a:off x="2155392" y="631750"/>
+            <a:ext cx="2770195" cy="2770195"/>
+          </a:xfrm>
+          <a:prstGeom prst="rect">
+            <a:avLst/>
+          </a:prstGeom>
+        </p:spPr>
+      </p:pic>
     </p:spTree>
     <p:extLst>
       <p:ext uri="{BB962C8B-B14F-4D97-AF65-F5344CB8AC3E}">
@@ -8039,15 +8328,6 @@
 </file>
 
 <file path=customXml/item1.xml><?xml version="1.0" encoding="utf-8"?>
-<?mso-contentType ?>
-<FormTemplates xmlns="http://schemas.microsoft.com/sharepoint/v3/contenttype/forms">
-  <Display>DocumentLibraryForm</Display>
-  <Edit>AssetEditForm</Edit>
-  <New>DocumentLibraryForm</New>
-</FormTemplates>
-</file>
-
-<file path=customXml/item2.xml><?xml version="1.0" encoding="utf-8"?>
 <ct:contentTypeSchema xmlns:ct="http://schemas.microsoft.com/office/2006/metadata/contentType" xmlns:ma="http://schemas.microsoft.com/office/2006/metadata/properties/metaAttributes" ct:_="" ma:_="" ma:contentTypeName="TemplateFile" ma:contentTypeID="0x0101006EDDDB5EE6D98C44930B742096920B300400F5B6D36B3EF94B4E9A635CDF2A18F5B8" ma:contentTypeVersion="72" ma:contentTypeDescription="Create a new document." ma:contentTypeScope="" ma:versionID="a23e56308344d904b51738559c3d67c9">
   <xsd:schema xmlns:xsd="http://www.w3.org/2001/XMLSchema" xmlns:xs="http://www.w3.org/2001/XMLSchema" xmlns:p="http://schemas.microsoft.com/office/2006/metadata/properties" xmlns:ns2="4873beb7-5857-4685-be1f-d57550cc96cc" targetNamespace="http://schemas.microsoft.com/office/2006/metadata/properties" ma:root="true" ma:fieldsID="cd0908cc4600e77bf5da051303e00c8d" ns2:_="">
     <xsd:import namespace="4873beb7-5857-4685-be1f-d57550cc96cc"/>
@@ -9087,7 +9367,7 @@
 </ct:contentTypeSchema>
 </file>
 
-<file path=customXml/item3.xml><?xml version="1.0" encoding="utf-8"?>
+<file path=customXml/item2.xml><?xml version="1.0" encoding="utf-8"?>
 <p:properties xmlns:p="http://schemas.microsoft.com/office/2006/metadata/properties" xmlns:xsi="http://www.w3.org/2001/XMLSchema-instance" xmlns:pc="http://schemas.microsoft.com/office/infopath/2007/PartnerControls">
   <documentManagement>
     <DirectSourceMarket xmlns="4873beb7-5857-4685-be1f-d57550cc96cc" xsi:nil="true"/>
@@ -9214,15 +9494,16 @@
 </p:properties>
 </file>
 
-<file path=customXml/itemProps1.xml><?xml version="1.0" encoding="utf-8"?>
-<ds:datastoreItem xmlns:ds="http://schemas.openxmlformats.org/officeDocument/2006/customXml" ds:itemID="{99B7E175-EA31-4EB5-9BCC-A945A8103674}">
-  <ds:schemaRefs>
-    <ds:schemaRef ds:uri="http://schemas.microsoft.com/sharepoint/v3/contenttype/forms"/>
-  </ds:schemaRefs>
-</ds:datastoreItem>
+<file path=customXml/item3.xml><?xml version="1.0" encoding="utf-8"?>
+<?mso-contentType ?>
+<FormTemplates xmlns="http://schemas.microsoft.com/sharepoint/v3/contenttype/forms">
+  <Display>DocumentLibraryForm</Display>
+  <Edit>AssetEditForm</Edit>
+  <New>DocumentLibraryForm</New>
+</FormTemplates>
 </file>
 
-<file path=customXml/itemProps2.xml><?xml version="1.0" encoding="utf-8"?>
+<file path=customXml/itemProps1.xml><?xml version="1.0" encoding="utf-8"?>
 <ds:datastoreItem xmlns:ds="http://schemas.openxmlformats.org/officeDocument/2006/customXml" ds:itemID="{81D71401-7A50-4150-9E41-8D26D4FD62D3}">
   <ds:schemaRefs>
     <ds:schemaRef ds:uri="http://schemas.microsoft.com/office/2006/metadata/contentType"/>
@@ -9240,7 +9521,7 @@
 </ds:datastoreItem>
 </file>
 
-<file path=customXml/itemProps3.xml><?xml version="1.0" encoding="utf-8"?>
+<file path=customXml/itemProps2.xml><?xml version="1.0" encoding="utf-8"?>
 <ds:datastoreItem xmlns:ds="http://schemas.openxmlformats.org/officeDocument/2006/customXml" ds:itemID="{F04C2ADE-A257-45E6-A8A8-A5CFC12AD2E8}">
   <ds:schemaRefs>
     <ds:schemaRef ds:uri="http://schemas.microsoft.com/office/2006/metadata/properties"/>
@@ -9248,4 +9529,12 @@
     <ds:schemaRef ds:uri="4873beb7-5857-4685-be1f-d57550cc96cc"/>
   </ds:schemaRefs>
 </ds:datastoreItem>
+</file>
+
+<file path=customXml/itemProps3.xml><?xml version="1.0" encoding="utf-8"?>
+<ds:datastoreItem xmlns:ds="http://schemas.openxmlformats.org/officeDocument/2006/customXml" ds:itemID="{99B7E175-EA31-4EB5-9BCC-A945A8103674}">
+  <ds:schemaRefs>
+    <ds:schemaRef ds:uri="http://schemas.microsoft.com/sharepoint/v3/contenttype/forms"/>
+  </ds:schemaRefs>
+</ds:datastoreItem>
 </file>
--- a/docs/poster.pptx
+++ b/docs/poster.pptx
@@ -4832,12 +4832,19 @@
         </p:blipFill>
         <p:spPr>
           <a:xfrm>
-            <a:off x="34543847" y="1"/>
+            <a:off x="34726727" y="0"/>
             <a:ext cx="9164473" cy="3786124"/>
           </a:xfrm>
           <a:prstGeom prst="rect">
             <a:avLst/>
           </a:prstGeom>
+          <a:effectLst>
+            <a:outerShdw dist="50800" dir="5400000" algn="ctr" rotWithShape="0">
+              <a:srgbClr val="000000">
+                <a:alpha val="43137"/>
+              </a:srgbClr>
+            </a:outerShdw>
+          </a:effectLst>
         </p:spPr>
       </p:pic>
       <p:sp>
@@ -4969,21 +4976,35 @@
                 <a:latin typeface="Times New Roman" panose="02020603050405020304" pitchFamily="18" charset="0"/>
                 <a:cs typeface="Times New Roman" panose="02020603050405020304" pitchFamily="18" charset="0"/>
               </a:rPr>
-              <a:t> is the set of all points Z</a:t>
-            </a:r>
-            <a:r>
-              <a:rPr lang="en-US" sz="2800" baseline="30000" dirty="0">
+              <a:t> is the set of all points </a:t>
+            </a:r>
+            <a:r>
+              <a:rPr lang="en-US" sz="2800" dirty="0" smtClean="0">
+                <a:latin typeface="Times New Roman" panose="02020603050405020304" pitchFamily="18" charset="0"/>
+                <a:cs typeface="Times New Roman" panose="02020603050405020304" pitchFamily="18" charset="0"/>
+              </a:rPr>
+              <a:t>Z</a:t>
+            </a:r>
+            <a:r>
+              <a:rPr lang="en-US" sz="2800" baseline="30000" dirty="0" smtClean="0">
                 <a:latin typeface="Times New Roman" panose="02020603050405020304" pitchFamily="18" charset="0"/>
                 <a:cs typeface="Times New Roman" panose="02020603050405020304" pitchFamily="18" charset="0"/>
               </a:rPr>
               <a:t>2</a:t>
             </a:r>
             <a:r>
+              <a:rPr lang="en-US" sz="2800" dirty="0" smtClean="0">
+                <a:latin typeface="Times New Roman" panose="02020603050405020304" pitchFamily="18" charset="0"/>
+                <a:cs typeface="Times New Roman" panose="02020603050405020304" pitchFamily="18" charset="0"/>
+              </a:rPr>
+              <a:t>, where Z is the set of integers. </a:t>
+            </a:r>
+            <a:r>
               <a:rPr lang="en-US" sz="2800" dirty="0">
                 <a:latin typeface="Times New Roman" panose="02020603050405020304" pitchFamily="18" charset="0"/>
                 <a:cs typeface="Times New Roman" panose="02020603050405020304" pitchFamily="18" charset="0"/>
               </a:rPr>
-              <a:t>. The lattice paths that we study are the set of movements on a lattice with restrictions of up-right and down-right moves. The paths that we are studying reside within an upper and lower boundary. We call this structure a </a:t>
+              <a:t>The lattice paths that we study are the set of movements on a lattice with restrictions of up-right and down-right moves. The paths that we are studying reside within an upper and lower boundary. We call this structure a </a:t>
             </a:r>
             <a:r>
               <a:rPr lang="en-US" sz="2800" b="1" dirty="0">
@@ -5031,6 +5052,17 @@
               </a:rPr>
               <a:t>. </a:t>
             </a:r>
+            <a:r>
+              <a:rPr lang="en-US" sz="2800" dirty="0" smtClean="0">
+                <a:latin typeface="Times New Roman" panose="02020603050405020304" pitchFamily="18" charset="0"/>
+                <a:cs typeface="Times New Roman" panose="02020603050405020304" pitchFamily="18" charset="0"/>
+              </a:rPr>
+              <a:t> Currently, a closed-form formula for skewed-top corridor numbers remains unknown.</a:t>
+            </a:r>
+            <a:endParaRPr lang="en-US" sz="2800" dirty="0">
+              <a:latin typeface="Times New Roman" panose="02020603050405020304" pitchFamily="18" charset="0"/>
+              <a:cs typeface="Times New Roman" panose="02020603050405020304" pitchFamily="18" charset="0"/>
+            </a:endParaRPr>
           </a:p>
           <a:p>
             <a:r>
@@ -5119,8 +5151,8 @@
         </p:nvSpPr>
         <p:spPr>
           <a:xfrm>
-            <a:off x="832105" y="16767900"/>
-            <a:ext cx="10816480" cy="5418963"/>
+            <a:off x="926157" y="16420969"/>
+            <a:ext cx="10816480" cy="5613129"/>
           </a:xfrm>
         </p:spPr>
         <p:txBody>
@@ -5142,11 +5174,18 @@
           </a:p>
           <a:p>
             <a:r>
+              <a:rPr lang="en-US" sz="3200" dirty="0" smtClean="0">
+                <a:latin typeface="Times New Roman" panose="02020603050405020304" pitchFamily="18" charset="0"/>
+                <a:cs typeface="Times New Roman" panose="02020603050405020304" pitchFamily="18" charset="0"/>
+              </a:rPr>
+              <a:t>The diagonals consist of segments of </a:t>
+            </a:r>
+            <a:r>
               <a:rPr lang="en-US" sz="3200" dirty="0">
                 <a:latin typeface="Times New Roman" panose="02020603050405020304" pitchFamily="18" charset="0"/>
                 <a:cs typeface="Times New Roman" panose="02020603050405020304" pitchFamily="18" charset="0"/>
               </a:rPr>
-              <a:t>Arithmetic sequences of n</a:t>
+              <a:t>n</a:t>
             </a:r>
             <a:r>
               <a:rPr lang="en-US" sz="3200" baseline="30000" dirty="0">
@@ -5160,16 +5199,34 @@
                 <a:latin typeface="Times New Roman" panose="02020603050405020304" pitchFamily="18" charset="0"/>
                 <a:cs typeface="Times New Roman" panose="02020603050405020304" pitchFamily="18" charset="0"/>
               </a:rPr>
-              <a:t>degree lie within the corridors and contribute to each other in various ways.</a:t>
-            </a:r>
-          </a:p>
-          <a:p>
+              <a:t>degree </a:t>
+            </a:r>
+            <a:r>
+              <a:rPr lang="en-US" sz="3200" dirty="0" smtClean="0">
+                <a:latin typeface="Times New Roman" panose="02020603050405020304" pitchFamily="18" charset="0"/>
+                <a:cs typeface="Times New Roman" panose="02020603050405020304" pitchFamily="18" charset="0"/>
+              </a:rPr>
+              <a:t>subsequences, and the degrees of these segments increase predictably as </a:t>
+            </a:r>
+            <a:r>
+              <a:rPr lang="en-US" sz="3200" dirty="0" smtClean="0">
+                <a:latin typeface="Times New Roman" panose="02020603050405020304" pitchFamily="18" charset="0"/>
+                <a:cs typeface="Times New Roman" panose="02020603050405020304" pitchFamily="18" charset="0"/>
+              </a:rPr>
+              <a:t>one moves down the corridor.</a:t>
+            </a:r>
             <a:endParaRPr lang="en-US" sz="3200" dirty="0">
               <a:latin typeface="Times New Roman" panose="02020603050405020304" pitchFamily="18" charset="0"/>
               <a:cs typeface="Times New Roman" panose="02020603050405020304" pitchFamily="18" charset="0"/>
             </a:endParaRPr>
           </a:p>
           <a:p>
+            <a:endParaRPr lang="en-US" sz="3200" dirty="0">
+              <a:latin typeface="Times New Roman" panose="02020603050405020304" pitchFamily="18" charset="0"/>
+              <a:cs typeface="Times New Roman" panose="02020603050405020304" pitchFamily="18" charset="0"/>
+            </a:endParaRPr>
+          </a:p>
+          <a:p>
             <a:r>
               <a:rPr lang="en-US" sz="3200" dirty="0">
                 <a:latin typeface="Times New Roman" panose="02020603050405020304" pitchFamily="18" charset="0"/>
@@ -5182,14 +5239,7 @@
                 <a:latin typeface="Times New Roman" panose="02020603050405020304" pitchFamily="18" charset="0"/>
                 <a:cs typeface="Times New Roman" panose="02020603050405020304" pitchFamily="18" charset="0"/>
               </a:rPr>
-              <a:t>parameters</a:t>
-            </a:r>
-            <a:r>
-              <a:rPr lang="en-US" sz="3200" dirty="0" smtClean="0">
-                <a:latin typeface="Times New Roman" panose="02020603050405020304" pitchFamily="18" charset="0"/>
-                <a:cs typeface="Times New Roman" panose="02020603050405020304" pitchFamily="18" charset="0"/>
-              </a:rPr>
-              <a:t> </a:t>
+              <a:t>parameters </a:t>
             </a:r>
             <a:r>
               <a:rPr lang="en-US" sz="3200" dirty="0">
@@ -5410,14 +5460,7 @@
                 <a:latin typeface="Times New Roman" panose="02020603050405020304" pitchFamily="18" charset="0"/>
                 <a:cs typeface="Times New Roman" panose="02020603050405020304" pitchFamily="18" charset="0"/>
               </a:rPr>
-              <a:t>, ... </a:t>
-            </a:r>
-            <a:r>
-              <a:rPr lang="en-US" sz="2800" dirty="0">
-                <a:latin typeface="Times New Roman" panose="02020603050405020304" pitchFamily="18" charset="0"/>
-                <a:cs typeface="Times New Roman" panose="02020603050405020304" pitchFamily="18" charset="0"/>
-              </a:rPr>
-              <a:t>Just as integration of a polynomial increases its degree by 1, the segments of diagonal sequences increase in degree going down the </a:t>
+              <a:t>, ... Just as integration of a polynomial increases its degree by 1, the segments of diagonal sequences increase in degree going down the </a:t>
             </a:r>
             <a:r>
               <a:rPr lang="en-US" sz="2800" dirty="0" smtClean="0">
@@ -5464,14 +5507,7 @@
                 <a:latin typeface="Times New Roman" panose="02020603050405020304" pitchFamily="18" charset="0"/>
                 <a:cs typeface="Times New Roman" panose="02020603050405020304" pitchFamily="18" charset="0"/>
               </a:rPr>
-              <a:t>, the sequence will degrade into a linear sequence by the time the diagonal reaches the upper boundary line. </a:t>
-            </a:r>
-            <a:r>
-              <a:rPr lang="en-US" sz="2800" dirty="0">
-                <a:latin typeface="Times New Roman" panose="02020603050405020304" pitchFamily="18" charset="0"/>
-                <a:cs typeface="Times New Roman" panose="02020603050405020304" pitchFamily="18" charset="0"/>
-              </a:rPr>
-              <a:t> </a:t>
+              <a:t>, the sequence will degrade into a linear sequence by the time the diagonal reaches the upper boundary line.  </a:t>
             </a:r>
             <a:endParaRPr lang="en-US" sz="2400" dirty="0">
               <a:latin typeface="Times New Roman" panose="02020603050405020304" pitchFamily="18" charset="0"/>
@@ -5578,7 +5614,7 @@
         </p:nvSpPr>
         <p:spPr bwMode="auto">
           <a:xfrm>
-            <a:off x="32104194" y="7948506"/>
+            <a:off x="31975634" y="8245314"/>
             <a:ext cx="10213764" cy="6084416"/>
           </a:xfrm>
           <a:prstGeom prst="rect">
@@ -5891,7 +5927,21 @@
                 <a:latin typeface="Courier New" panose="02070309020205020404" pitchFamily="49" charset="0"/>
                 <a:cs typeface="Courier New" panose="02070309020205020404" pitchFamily="49" charset="0"/>
               </a:rPr>
-              <a:t>   end for</a:t>
+              <a:t>  </a:t>
+            </a:r>
+            <a:r>
+              <a:rPr lang="en-US" sz="1600" dirty="0" smtClean="0">
+                <a:latin typeface="Courier New" panose="02070309020205020404" pitchFamily="49" charset="0"/>
+                <a:cs typeface="Courier New" panose="02070309020205020404" pitchFamily="49" charset="0"/>
+              </a:rPr>
+              <a:t>end </a:t>
+            </a:r>
+            <a:r>
+              <a:rPr lang="en-US" sz="1600" dirty="0">
+                <a:latin typeface="Courier New" panose="02070309020205020404" pitchFamily="49" charset="0"/>
+                <a:cs typeface="Courier New" panose="02070309020205020404" pitchFamily="49" charset="0"/>
+              </a:rPr>
+              <a:t>for</a:t>
             </a:r>
             <a:endParaRPr lang="en-US" sz="1600" dirty="0">
               <a:effectLst/>
@@ -6465,58 +6515,98 @@
                 <a:latin typeface="Times New Roman" panose="02020603050405020304" pitchFamily="18" charset="0"/>
                 <a:cs typeface="Times New Roman" panose="02020603050405020304" pitchFamily="18" charset="0"/>
               </a:rPr>
-              <a:t>Let V be a function accepting input from the set of natural numbers. It’s output lies within the set of points Z</a:t>
-            </a:r>
-            <a:r>
-              <a:rPr lang="en-US" sz="2800" baseline="30000" dirty="0">
+              <a:t>Let V be a function accepting input from the </a:t>
+            </a:r>
+            <a:r>
+              <a:rPr lang="en-US" sz="2800" dirty="0">
+                <a:latin typeface="Times New Roman" panose="02020603050405020304" pitchFamily="18" charset="0"/>
+                <a:cs typeface="Times New Roman" panose="02020603050405020304" pitchFamily="18" charset="0"/>
+              </a:rPr>
+              <a:t>set of points </a:t>
+            </a:r>
+            <a:r>
+              <a:rPr lang="en-US" sz="2800" dirty="0" smtClean="0">
+                <a:latin typeface="Times New Roman" panose="02020603050405020304" pitchFamily="18" charset="0"/>
+                <a:cs typeface="Times New Roman" panose="02020603050405020304" pitchFamily="18" charset="0"/>
+              </a:rPr>
+              <a:t>Z</a:t>
+            </a:r>
+            <a:r>
+              <a:rPr lang="en-US" sz="2800" baseline="30000" dirty="0" smtClean="0">
                 <a:latin typeface="Times New Roman" panose="02020603050405020304" pitchFamily="18" charset="0"/>
                 <a:cs typeface="Times New Roman" panose="02020603050405020304" pitchFamily="18" charset="0"/>
               </a:rPr>
               <a:t>2</a:t>
             </a:r>
             <a:r>
+              <a:rPr lang="en-US" sz="2800" dirty="0" smtClean="0">
+                <a:latin typeface="Times New Roman" panose="02020603050405020304" pitchFamily="18" charset="0"/>
+                <a:cs typeface="Times New Roman" panose="02020603050405020304" pitchFamily="18" charset="0"/>
+              </a:rPr>
+              <a:t>. Its </a:t>
+            </a:r>
+            <a:r>
               <a:rPr lang="en-US" sz="2800" dirty="0">
                 <a:latin typeface="Times New Roman" panose="02020603050405020304" pitchFamily="18" charset="0"/>
                 <a:cs typeface="Times New Roman" panose="02020603050405020304" pitchFamily="18" charset="0"/>
               </a:rPr>
-              <a:t>. </a:t>
-            </a:r>
-          </a:p>
-          <a:p>
+              <a:t>output </a:t>
+            </a:r>
+            <a:r>
+              <a:rPr lang="en-US" sz="2800" dirty="0" smtClean="0">
+                <a:latin typeface="Times New Roman" panose="02020603050405020304" pitchFamily="18" charset="0"/>
+                <a:cs typeface="Times New Roman" panose="02020603050405020304" pitchFamily="18" charset="0"/>
+              </a:rPr>
+              <a:t>is an integer and lies </a:t>
+            </a:r>
             <a:r>
               <a:rPr lang="en-US" sz="2800" dirty="0">
                 <a:latin typeface="Times New Roman" panose="02020603050405020304" pitchFamily="18" charset="0"/>
                 <a:cs typeface="Times New Roman" panose="02020603050405020304" pitchFamily="18" charset="0"/>
               </a:rPr>
-              <a:t>Let x and y be values that lie within the corridor. </a:t>
-            </a:r>
-          </a:p>
-          <a:p>
+              <a:t>within </a:t>
+            </a:r>
             <a:r>
               <a:rPr lang="en-US" sz="2800" dirty="0">
                 <a:latin typeface="Times New Roman" panose="02020603050405020304" pitchFamily="18" charset="0"/>
                 <a:cs typeface="Times New Roman" panose="02020603050405020304" pitchFamily="18" charset="0"/>
               </a:rPr>
-              <a:t>A recursive formula for generating values in the corridor is:</a:t>
-            </a:r>
-          </a:p>
-          <a:p>
-            <a:pPr algn="ctr"/>
-            <a:r>
-              <a:rPr lang="en-US" sz="3200" b="1" i="1" dirty="0">
-                <a:latin typeface="Times New Roman" panose="02020603050405020304" pitchFamily="18" charset="0"/>
-                <a:cs typeface="Times New Roman" panose="02020603050405020304" pitchFamily="18" charset="0"/>
-              </a:rPr>
-              <a:t>V(x, y) = V(x-1, y-1) + V(x-1, y+1)</a:t>
-            </a:r>
-          </a:p>
-          <a:p>
+              <a:t>the set of natural numbers. </a:t>
+            </a:r>
             <a:endParaRPr lang="en-US" sz="2800" dirty="0">
               <a:latin typeface="Times New Roman" panose="02020603050405020304" pitchFamily="18" charset="0"/>
               <a:cs typeface="Times New Roman" panose="02020603050405020304" pitchFamily="18" charset="0"/>
             </a:endParaRPr>
           </a:p>
           <a:p>
+            <a:r>
+              <a:rPr lang="en-US" sz="2800" dirty="0">
+                <a:latin typeface="Times New Roman" panose="02020603050405020304" pitchFamily="18" charset="0"/>
+                <a:cs typeface="Times New Roman" panose="02020603050405020304" pitchFamily="18" charset="0"/>
+              </a:rPr>
+              <a:t>Let x and y be values that lie within the corridor. </a:t>
+            </a:r>
+          </a:p>
+          <a:p>
+            <a:r>
+              <a:rPr lang="en-US" sz="2800" dirty="0">
+                <a:latin typeface="Times New Roman" panose="02020603050405020304" pitchFamily="18" charset="0"/>
+                <a:cs typeface="Times New Roman" panose="02020603050405020304" pitchFamily="18" charset="0"/>
+              </a:rPr>
+              <a:t>A recursive formula for generating values in the corridor is:</a:t>
+            </a:r>
+          </a:p>
+          <a:p>
+            <a:pPr algn="ctr"/>
+            <a:r>
+              <a:rPr lang="en-US" sz="3200" b="1" i="1" dirty="0">
+                <a:latin typeface="Times New Roman" panose="02020603050405020304" pitchFamily="18" charset="0"/>
+                <a:cs typeface="Times New Roman" panose="02020603050405020304" pitchFamily="18" charset="0"/>
+              </a:rPr>
+              <a:t>V(x, y) = V(x-1, y-1) + V(x-1, y+1)</a:t>
+            </a:r>
+          </a:p>
+          <a:p>
             <a:endParaRPr lang="en-US" sz="2800" dirty="0">
               <a:latin typeface="Times New Roman" panose="02020603050405020304" pitchFamily="18" charset="0"/>
               <a:cs typeface="Times New Roman" panose="02020603050405020304" pitchFamily="18" charset="0"/>
@@ -6542,8 +6632,21 @@
                 <a:latin typeface="Times New Roman" panose="02020603050405020304" pitchFamily="18" charset="0"/>
                 <a:cs typeface="Times New Roman" panose="02020603050405020304" pitchFamily="18" charset="0"/>
               </a:rPr>
-              <a:t> in the corridor begins at some value on the lattice and moves up-right at some slope through the corridor. This formula states that the first non-zero diagonal at position (k+1, k) is k.</a:t>
-            </a:r>
+              <a:t> in the corridor begins at some value on the lattice and moves up-right at some slope through the corridor. This formula states that the first non-zero diagonal at position (k+1, k) is k</a:t>
+            </a:r>
+            <a:r>
+              <a:rPr lang="en-US" sz="2800" dirty="0" smtClean="0">
+                <a:latin typeface="Times New Roman" panose="02020603050405020304" pitchFamily="18" charset="0"/>
+                <a:cs typeface="Times New Roman" panose="02020603050405020304" pitchFamily="18" charset="0"/>
+              </a:rPr>
+              <a:t>.</a:t>
+            </a:r>
+          </a:p>
+          <a:p>
+            <a:endParaRPr lang="en-US" sz="2800" dirty="0">
+              <a:latin typeface="Times New Roman" panose="02020603050405020304" pitchFamily="18" charset="0"/>
+              <a:cs typeface="Times New Roman" panose="02020603050405020304" pitchFamily="18" charset="0"/>
+            </a:endParaRPr>
           </a:p>
           <a:p>
             <a:pPr algn="ctr"/>
@@ -6844,7 +6947,21 @@
                 <a:latin typeface="Times New Roman" panose="02020603050405020304" pitchFamily="18" charset="0"/>
                 <a:cs typeface="Times New Roman" panose="02020603050405020304" pitchFamily="18" charset="0"/>
               </a:rPr>
-              <a:t>Start: (0, 1)   End: (2g, 2g-1)</a:t>
+              <a:t>Start: (0, 1)  </a:t>
+            </a:r>
+            <a:r>
+              <a:rPr lang="en-US" sz="2800" b="1" i="1" dirty="0" smtClean="0">
+                <a:latin typeface="Times New Roman" panose="02020603050405020304" pitchFamily="18" charset="0"/>
+                <a:cs typeface="Times New Roman" panose="02020603050405020304" pitchFamily="18" charset="0"/>
+              </a:rPr>
+              <a:t>  </a:t>
+            </a:r>
+            <a:r>
+              <a:rPr lang="en-US" sz="2800" b="1" i="1" dirty="0" smtClean="0">
+                <a:latin typeface="Times New Roman" panose="02020603050405020304" pitchFamily="18" charset="0"/>
+                <a:cs typeface="Times New Roman" panose="02020603050405020304" pitchFamily="18" charset="0"/>
+              </a:rPr>
+              <a:t>End: (2g, 2g-1)</a:t>
             </a:r>
           </a:p>
           <a:p>
@@ -6887,7 +7004,21 @@
                 <a:latin typeface="Times New Roman" panose="02020603050405020304" pitchFamily="18" charset="0"/>
                 <a:cs typeface="Times New Roman" panose="02020603050405020304" pitchFamily="18" charset="0"/>
               </a:rPr>
-              <a:t>Start:(2g-D, 2g+D)   End:(2g-D+4, 2g+D+4)</a:t>
+              <a:t>Start:(2g-D, 2g+D</a:t>
+            </a:r>
+            <a:r>
+              <a:rPr lang="en-US" sz="2800" b="1" i="1" dirty="0" smtClean="0">
+                <a:latin typeface="Times New Roman" panose="02020603050405020304" pitchFamily="18" charset="0"/>
+                <a:cs typeface="Times New Roman" panose="02020603050405020304" pitchFamily="18" charset="0"/>
+              </a:rPr>
+              <a:t>)    </a:t>
+            </a:r>
+            <a:r>
+              <a:rPr lang="en-US" sz="2800" b="1" i="1" dirty="0" smtClean="0">
+                <a:latin typeface="Times New Roman" panose="02020603050405020304" pitchFamily="18" charset="0"/>
+                <a:cs typeface="Times New Roman" panose="02020603050405020304" pitchFamily="18" charset="0"/>
+              </a:rPr>
+              <a:t>End:(2g-D+4, 2g+D+4)</a:t>
             </a:r>
           </a:p>
         </p:txBody>
@@ -7470,6 +7601,13 @@
   <p:clrMapOvr>
     <a:masterClrMapping/>
   </p:clrMapOvr>
+  <p:timing>
+    <p:tnLst>
+      <p:par>
+        <p:cTn id="1" dur="indefinite" restart="never" nodeType="tmRoot"/>
+      </p:par>
+    </p:tnLst>
+  </p:timing>
 </p:sld>
 </file>
 
@@ -8328,6 +8466,142 @@
 </file>
 
 <file path=customXml/item1.xml><?xml version="1.0" encoding="utf-8"?>
+<?mso-contentType ?>
+<FormTemplates xmlns="http://schemas.microsoft.com/sharepoint/v3/contenttype/forms">
+  <Display>DocumentLibraryForm</Display>
+  <Edit>AssetEditForm</Edit>
+  <New>DocumentLibraryForm</New>
+</FormTemplates>
+</file>
+
+<file path=customXml/item2.xml><?xml version="1.0" encoding="utf-8"?>
+<p:properties xmlns:p="http://schemas.microsoft.com/office/2006/metadata/properties" xmlns:xsi="http://www.w3.org/2001/XMLSchema-instance" xmlns:pc="http://schemas.microsoft.com/office/infopath/2007/PartnerControls">
+  <documentManagement>
+    <DirectSourceMarket xmlns="4873beb7-5857-4685-be1f-d57550cc96cc" xsi:nil="true"/>
+    <ApprovalStatus xmlns="4873beb7-5857-4685-be1f-d57550cc96cc">InProgress</ApprovalStatus>
+    <MarketSpecific xmlns="4873beb7-5857-4685-be1f-d57550cc96cc">false</MarketSpecific>
+    <LocComments xmlns="4873beb7-5857-4685-be1f-d57550cc96cc" xsi:nil="true"/>
+    <ThumbnailAssetId xmlns="4873beb7-5857-4685-be1f-d57550cc96cc" xsi:nil="true"/>
+    <PrimaryImageGen xmlns="4873beb7-5857-4685-be1f-d57550cc96cc">true</PrimaryImageGen>
+    <LegacyData xmlns="4873beb7-5857-4685-be1f-d57550cc96cc" xsi:nil="true"/>
+    <LocRecommendedHandoff xmlns="4873beb7-5857-4685-be1f-d57550cc96cc" xsi:nil="true"/>
+    <BusinessGroup xmlns="4873beb7-5857-4685-be1f-d57550cc96cc" xsi:nil="true"/>
+    <BlockPublish xmlns="4873beb7-5857-4685-be1f-d57550cc96cc">false</BlockPublish>
+    <TPFriendlyName xmlns="4873beb7-5857-4685-be1f-d57550cc96cc" xsi:nil="true"/>
+    <NumericId xmlns="4873beb7-5857-4685-be1f-d57550cc96cc" xsi:nil="true"/>
+    <APEditor xmlns="4873beb7-5857-4685-be1f-d57550cc96cc">
+      <UserInfo>
+        <DisplayName/>
+        <AccountId xsi:nil="true"/>
+        <AccountType/>
+      </UserInfo>
+    </APEditor>
+    <SourceTitle xmlns="4873beb7-5857-4685-be1f-d57550cc96cc" xsi:nil="true"/>
+    <OpenTemplate xmlns="4873beb7-5857-4685-be1f-d57550cc96cc">true</OpenTemplate>
+    <UALocComments xmlns="4873beb7-5857-4685-be1f-d57550cc96cc" xsi:nil="true"/>
+    <ParentAssetId xmlns="4873beb7-5857-4685-be1f-d57550cc96cc" xsi:nil="true"/>
+    <IntlLangReviewDate xmlns="4873beb7-5857-4685-be1f-d57550cc96cc" xsi:nil="true"/>
+    <FeatureTagsTaxHTField0 xmlns="4873beb7-5857-4685-be1f-d57550cc96cc">
+      <Terms xmlns="http://schemas.microsoft.com/office/infopath/2007/PartnerControls"/>
+    </FeatureTagsTaxHTField0>
+    <PublishStatusLookup xmlns="4873beb7-5857-4685-be1f-d57550cc96cc">
+      <Value>1669352</Value>
+      <Value>1669523</Value>
+    </PublishStatusLookup>
+    <Providers xmlns="4873beb7-5857-4685-be1f-d57550cc96cc" xsi:nil="true"/>
+    <MachineTranslated xmlns="4873beb7-5857-4685-be1f-d57550cc96cc">false</MachineTranslated>
+    <OriginalSourceMarket xmlns="4873beb7-5857-4685-be1f-d57550cc96cc" xsi:nil="true"/>
+    <APDescription xmlns="4873beb7-5857-4685-be1f-d57550cc96cc" xsi:nil="true"/>
+    <ClipArtFilename xmlns="4873beb7-5857-4685-be1f-d57550cc96cc" xsi:nil="true"/>
+    <ContentItem xmlns="4873beb7-5857-4685-be1f-d57550cc96cc" xsi:nil="true"/>
+    <TPInstallLocation xmlns="4873beb7-5857-4685-be1f-d57550cc96cc" xsi:nil="true"/>
+    <PublishTargets xmlns="4873beb7-5857-4685-be1f-d57550cc96cc">OfficeOnlineVNext</PublishTargets>
+    <TimesCloned xmlns="4873beb7-5857-4685-be1f-d57550cc96cc" xsi:nil="true"/>
+    <AssetStart xmlns="4873beb7-5857-4685-be1f-d57550cc96cc">2013-01-21T10:18:00+00:00</AssetStart>
+    <Provider xmlns="4873beb7-5857-4685-be1f-d57550cc96cc" xsi:nil="true"/>
+    <AcquiredFrom xmlns="4873beb7-5857-4685-be1f-d57550cc96cc">Internal MS</AcquiredFrom>
+    <FriendlyTitle xmlns="4873beb7-5857-4685-be1f-d57550cc96cc" xsi:nil="true"/>
+    <LastHandOff xmlns="4873beb7-5857-4685-be1f-d57550cc96cc" xsi:nil="true"/>
+    <TPClientViewer xmlns="4873beb7-5857-4685-be1f-d57550cc96cc" xsi:nil="true"/>
+    <UACurrentWords xmlns="4873beb7-5857-4685-be1f-d57550cc96cc" xsi:nil="true"/>
+    <ArtSampleDocs xmlns="4873beb7-5857-4685-be1f-d57550cc96cc" xsi:nil="true"/>
+    <UALocRecommendation xmlns="4873beb7-5857-4685-be1f-d57550cc96cc">Localize</UALocRecommendation>
+    <Manager xmlns="4873beb7-5857-4685-be1f-d57550cc96cc" xsi:nil="true"/>
+    <ShowIn xmlns="4873beb7-5857-4685-be1f-d57550cc96cc">Show everywhere</ShowIn>
+    <UANotes xmlns="4873beb7-5857-4685-be1f-d57550cc96cc" xsi:nil="true"/>
+    <TemplateStatus xmlns="4873beb7-5857-4685-be1f-d57550cc96cc">Complete</TemplateStatus>
+    <InternalTagsTaxHTField0 xmlns="4873beb7-5857-4685-be1f-d57550cc96cc">
+      <Terms xmlns="http://schemas.microsoft.com/office/infopath/2007/PartnerControls"/>
+    </InternalTagsTaxHTField0>
+    <CSXHash xmlns="4873beb7-5857-4685-be1f-d57550cc96cc" xsi:nil="true"/>
+    <Downloads xmlns="4873beb7-5857-4685-be1f-d57550cc96cc">0</Downloads>
+    <VoteCount xmlns="4873beb7-5857-4685-be1f-d57550cc96cc" xsi:nil="true"/>
+    <OOCacheId xmlns="4873beb7-5857-4685-be1f-d57550cc96cc" xsi:nil="true"/>
+    <IsDeleted xmlns="4873beb7-5857-4685-be1f-d57550cc96cc">false</IsDeleted>
+    <AssetExpire xmlns="4873beb7-5857-4685-be1f-d57550cc96cc">2029-01-01T08:00:00+00:00</AssetExpire>
+    <DSATActionTaken xmlns="4873beb7-5857-4685-be1f-d57550cc96cc" xsi:nil="true"/>
+    <CSXSubmissionMarket xmlns="4873beb7-5857-4685-be1f-d57550cc96cc" xsi:nil="true"/>
+    <TPExecutable xmlns="4873beb7-5857-4685-be1f-d57550cc96cc" xsi:nil="true"/>
+    <SubmitterId xmlns="4873beb7-5857-4685-be1f-d57550cc96cc" xsi:nil="true"/>
+    <EditorialTags xmlns="4873beb7-5857-4685-be1f-d57550cc96cc" xsi:nil="true"/>
+    <AssetType xmlns="4873beb7-5857-4685-be1f-d57550cc96cc">TP</AssetType>
+    <BugNumber xmlns="4873beb7-5857-4685-be1f-d57550cc96cc" xsi:nil="true"/>
+    <CSXSubmissionDate xmlns="4873beb7-5857-4685-be1f-d57550cc96cc" xsi:nil="true"/>
+    <CSXUpdate xmlns="4873beb7-5857-4685-be1f-d57550cc96cc">false</CSXUpdate>
+    <ApprovalLog xmlns="4873beb7-5857-4685-be1f-d57550cc96cc" xsi:nil="true"/>
+    <Milestone xmlns="4873beb7-5857-4685-be1f-d57550cc96cc" xsi:nil="true"/>
+    <RecommendationsModifier xmlns="4873beb7-5857-4685-be1f-d57550cc96cc" xsi:nil="true"/>
+    <OriginAsset xmlns="4873beb7-5857-4685-be1f-d57550cc96cc" xsi:nil="true"/>
+    <TPComponent xmlns="4873beb7-5857-4685-be1f-d57550cc96cc" xsi:nil="true"/>
+    <AssetId xmlns="4873beb7-5857-4685-be1f-d57550cc96cc">TP104001342</AssetId>
+    <IntlLocPriority xmlns="4873beb7-5857-4685-be1f-d57550cc96cc" xsi:nil="true"/>
+    <PolicheckWords xmlns="4873beb7-5857-4685-be1f-d57550cc96cc" xsi:nil="true"/>
+    <TPLaunchHelpLink xmlns="4873beb7-5857-4685-be1f-d57550cc96cc" xsi:nil="true"/>
+    <TPApplication xmlns="4873beb7-5857-4685-be1f-d57550cc96cc" xsi:nil="true"/>
+    <CrawlForDependencies xmlns="4873beb7-5857-4685-be1f-d57550cc96cc">false</CrawlForDependencies>
+    <HandoffToMSDN xmlns="4873beb7-5857-4685-be1f-d57550cc96cc" xsi:nil="true"/>
+    <PlannedPubDate xmlns="4873beb7-5857-4685-be1f-d57550cc96cc" xsi:nil="true"/>
+    <IntlLangReviewer xmlns="4873beb7-5857-4685-be1f-d57550cc96cc" xsi:nil="true"/>
+    <TrustLevel xmlns="4873beb7-5857-4685-be1f-d57550cc96cc">1 Microsoft Managed Content</TrustLevel>
+    <LocLastLocAttemptVersionLookup xmlns="4873beb7-5857-4685-be1f-d57550cc96cc">875929</LocLastLocAttemptVersionLookup>
+    <IsSearchable xmlns="4873beb7-5857-4685-be1f-d57550cc96cc">true</IsSearchable>
+    <TemplateTemplateType xmlns="4873beb7-5857-4685-be1f-d57550cc96cc">PowerPoint Presentation Template</TemplateTemplateType>
+    <CampaignTagsTaxHTField0 xmlns="4873beb7-5857-4685-be1f-d57550cc96cc">
+      <Terms xmlns="http://schemas.microsoft.com/office/infopath/2007/PartnerControls"/>
+    </CampaignTagsTaxHTField0>
+    <TPNamespace xmlns="4873beb7-5857-4685-be1f-d57550cc96cc" xsi:nil="true"/>
+    <TaxCatchAll xmlns="4873beb7-5857-4685-be1f-d57550cc96cc"/>
+    <Markets xmlns="4873beb7-5857-4685-be1f-d57550cc96cc"/>
+    <UAProjectedTotalWords xmlns="4873beb7-5857-4685-be1f-d57550cc96cc" xsi:nil="true"/>
+    <LocMarketGroupTiers2 xmlns="4873beb7-5857-4685-be1f-d57550cc96cc" xsi:nil="true"/>
+    <IntlLangReview xmlns="4873beb7-5857-4685-be1f-d57550cc96cc">false</IntlLangReview>
+    <OutputCachingOn xmlns="4873beb7-5857-4685-be1f-d57550cc96cc">false</OutputCachingOn>
+    <AverageRating xmlns="4873beb7-5857-4685-be1f-d57550cc96cc" xsi:nil="true"/>
+    <APAuthor xmlns="4873beb7-5857-4685-be1f-d57550cc96cc">
+      <UserInfo>
+        <DisplayName>REDMOND\kristaa</DisplayName>
+        <AccountId>136</AccountId>
+        <AccountType/>
+      </UserInfo>
+    </APAuthor>
+    <LocManualTestRequired xmlns="4873beb7-5857-4685-be1f-d57550cc96cc">false</LocManualTestRequired>
+    <TPCommandLine xmlns="4873beb7-5857-4685-be1f-d57550cc96cc" xsi:nil="true"/>
+    <TPAppVersion xmlns="4873beb7-5857-4685-be1f-d57550cc96cc" xsi:nil="true"/>
+    <EditorialStatus xmlns="4873beb7-5857-4685-be1f-d57550cc96cc">Complete</EditorialStatus>
+    <LastModifiedDateTime xmlns="4873beb7-5857-4685-be1f-d57550cc96cc" xsi:nil="true"/>
+    <ScenarioTagsTaxHTField0 xmlns="4873beb7-5857-4685-be1f-d57550cc96cc">
+      <Terms xmlns="http://schemas.microsoft.com/office/infopath/2007/PartnerControls"/>
+    </ScenarioTagsTaxHTField0>
+    <OriginalRelease xmlns="4873beb7-5857-4685-be1f-d57550cc96cc">15</OriginalRelease>
+    <TPLaunchHelpLinkType xmlns="4873beb7-5857-4685-be1f-d57550cc96cc">Template</TPLaunchHelpLinkType>
+    <LocalizationTagsTaxHTField0 xmlns="4873beb7-5857-4685-be1f-d57550cc96cc">
+      <Terms xmlns="http://schemas.microsoft.com/office/infopath/2007/PartnerControls"/>
+    </LocalizationTagsTaxHTField0>
+  </documentManagement>
+</p:properties>
+</file>
+
+<file path=customXml/item3.xml><?xml version="1.0" encoding="utf-8"?>
 <ct:contentTypeSchema xmlns:ct="http://schemas.microsoft.com/office/2006/metadata/contentType" xmlns:ma="http://schemas.microsoft.com/office/2006/metadata/properties/metaAttributes" ct:_="" ma:_="" ma:contentTypeName="TemplateFile" ma:contentTypeID="0x0101006EDDDB5EE6D98C44930B742096920B300400F5B6D36B3EF94B4E9A635CDF2A18F5B8" ma:contentTypeVersion="72" ma:contentTypeDescription="Create a new document." ma:contentTypeScope="" ma:versionID="a23e56308344d904b51738559c3d67c9">
   <xsd:schema xmlns:xsd="http://www.w3.org/2001/XMLSchema" xmlns:xs="http://www.w3.org/2001/XMLSchema" xmlns:p="http://schemas.microsoft.com/office/2006/metadata/properties" xmlns:ns2="4873beb7-5857-4685-be1f-d57550cc96cc" targetNamespace="http://schemas.microsoft.com/office/2006/metadata/properties" ma:root="true" ma:fieldsID="cd0908cc4600e77bf5da051303e00c8d" ns2:_="">
     <xsd:import namespace="4873beb7-5857-4685-be1f-d57550cc96cc"/>
@@ -9367,143 +9641,31 @@
 </ct:contentTypeSchema>
 </file>
 
-<file path=customXml/item2.xml><?xml version="1.0" encoding="utf-8"?>
-<p:properties xmlns:p="http://schemas.microsoft.com/office/2006/metadata/properties" xmlns:xsi="http://www.w3.org/2001/XMLSchema-instance" xmlns:pc="http://schemas.microsoft.com/office/infopath/2007/PartnerControls">
-  <documentManagement>
-    <DirectSourceMarket xmlns="4873beb7-5857-4685-be1f-d57550cc96cc" xsi:nil="true"/>
-    <ApprovalStatus xmlns="4873beb7-5857-4685-be1f-d57550cc96cc">InProgress</ApprovalStatus>
-    <MarketSpecific xmlns="4873beb7-5857-4685-be1f-d57550cc96cc">false</MarketSpecific>
-    <LocComments xmlns="4873beb7-5857-4685-be1f-d57550cc96cc" xsi:nil="true"/>
-    <ThumbnailAssetId xmlns="4873beb7-5857-4685-be1f-d57550cc96cc" xsi:nil="true"/>
-    <PrimaryImageGen xmlns="4873beb7-5857-4685-be1f-d57550cc96cc">true</PrimaryImageGen>
-    <LegacyData xmlns="4873beb7-5857-4685-be1f-d57550cc96cc" xsi:nil="true"/>
-    <LocRecommendedHandoff xmlns="4873beb7-5857-4685-be1f-d57550cc96cc" xsi:nil="true"/>
-    <BusinessGroup xmlns="4873beb7-5857-4685-be1f-d57550cc96cc" xsi:nil="true"/>
-    <BlockPublish xmlns="4873beb7-5857-4685-be1f-d57550cc96cc">false</BlockPublish>
-    <TPFriendlyName xmlns="4873beb7-5857-4685-be1f-d57550cc96cc" xsi:nil="true"/>
-    <NumericId xmlns="4873beb7-5857-4685-be1f-d57550cc96cc" xsi:nil="true"/>
-    <APEditor xmlns="4873beb7-5857-4685-be1f-d57550cc96cc">
-      <UserInfo>
-        <DisplayName/>
-        <AccountId xsi:nil="true"/>
-        <AccountType/>
-      </UserInfo>
-    </APEditor>
-    <SourceTitle xmlns="4873beb7-5857-4685-be1f-d57550cc96cc" xsi:nil="true"/>
-    <OpenTemplate xmlns="4873beb7-5857-4685-be1f-d57550cc96cc">true</OpenTemplate>
-    <UALocComments xmlns="4873beb7-5857-4685-be1f-d57550cc96cc" xsi:nil="true"/>
-    <ParentAssetId xmlns="4873beb7-5857-4685-be1f-d57550cc96cc" xsi:nil="true"/>
-    <IntlLangReviewDate xmlns="4873beb7-5857-4685-be1f-d57550cc96cc" xsi:nil="true"/>
-    <FeatureTagsTaxHTField0 xmlns="4873beb7-5857-4685-be1f-d57550cc96cc">
-      <Terms xmlns="http://schemas.microsoft.com/office/infopath/2007/PartnerControls"/>
-    </FeatureTagsTaxHTField0>
-    <PublishStatusLookup xmlns="4873beb7-5857-4685-be1f-d57550cc96cc">
-      <Value>1669352</Value>
-      <Value>1669523</Value>
-    </PublishStatusLookup>
-    <Providers xmlns="4873beb7-5857-4685-be1f-d57550cc96cc" xsi:nil="true"/>
-    <MachineTranslated xmlns="4873beb7-5857-4685-be1f-d57550cc96cc">false</MachineTranslated>
-    <OriginalSourceMarket xmlns="4873beb7-5857-4685-be1f-d57550cc96cc" xsi:nil="true"/>
-    <APDescription xmlns="4873beb7-5857-4685-be1f-d57550cc96cc" xsi:nil="true"/>
-    <ClipArtFilename xmlns="4873beb7-5857-4685-be1f-d57550cc96cc" xsi:nil="true"/>
-    <ContentItem xmlns="4873beb7-5857-4685-be1f-d57550cc96cc" xsi:nil="true"/>
-    <TPInstallLocation xmlns="4873beb7-5857-4685-be1f-d57550cc96cc" xsi:nil="true"/>
-    <PublishTargets xmlns="4873beb7-5857-4685-be1f-d57550cc96cc">OfficeOnlineVNext</PublishTargets>
-    <TimesCloned xmlns="4873beb7-5857-4685-be1f-d57550cc96cc" xsi:nil="true"/>
-    <AssetStart xmlns="4873beb7-5857-4685-be1f-d57550cc96cc">2013-01-21T10:18:00+00:00</AssetStart>
-    <Provider xmlns="4873beb7-5857-4685-be1f-d57550cc96cc" xsi:nil="true"/>
-    <AcquiredFrom xmlns="4873beb7-5857-4685-be1f-d57550cc96cc">Internal MS</AcquiredFrom>
-    <FriendlyTitle xmlns="4873beb7-5857-4685-be1f-d57550cc96cc" xsi:nil="true"/>
-    <LastHandOff xmlns="4873beb7-5857-4685-be1f-d57550cc96cc" xsi:nil="true"/>
-    <TPClientViewer xmlns="4873beb7-5857-4685-be1f-d57550cc96cc" xsi:nil="true"/>
-    <UACurrentWords xmlns="4873beb7-5857-4685-be1f-d57550cc96cc" xsi:nil="true"/>
-    <ArtSampleDocs xmlns="4873beb7-5857-4685-be1f-d57550cc96cc" xsi:nil="true"/>
-    <UALocRecommendation xmlns="4873beb7-5857-4685-be1f-d57550cc96cc">Localize</UALocRecommendation>
-    <Manager xmlns="4873beb7-5857-4685-be1f-d57550cc96cc" xsi:nil="true"/>
-    <ShowIn xmlns="4873beb7-5857-4685-be1f-d57550cc96cc">Show everywhere</ShowIn>
-    <UANotes xmlns="4873beb7-5857-4685-be1f-d57550cc96cc" xsi:nil="true"/>
-    <TemplateStatus xmlns="4873beb7-5857-4685-be1f-d57550cc96cc">Complete</TemplateStatus>
-    <InternalTagsTaxHTField0 xmlns="4873beb7-5857-4685-be1f-d57550cc96cc">
-      <Terms xmlns="http://schemas.microsoft.com/office/infopath/2007/PartnerControls"/>
-    </InternalTagsTaxHTField0>
-    <CSXHash xmlns="4873beb7-5857-4685-be1f-d57550cc96cc" xsi:nil="true"/>
-    <Downloads xmlns="4873beb7-5857-4685-be1f-d57550cc96cc">0</Downloads>
-    <VoteCount xmlns="4873beb7-5857-4685-be1f-d57550cc96cc" xsi:nil="true"/>
-    <OOCacheId xmlns="4873beb7-5857-4685-be1f-d57550cc96cc" xsi:nil="true"/>
-    <IsDeleted xmlns="4873beb7-5857-4685-be1f-d57550cc96cc">false</IsDeleted>
-    <AssetExpire xmlns="4873beb7-5857-4685-be1f-d57550cc96cc">2029-01-01T08:00:00+00:00</AssetExpire>
-    <DSATActionTaken xmlns="4873beb7-5857-4685-be1f-d57550cc96cc" xsi:nil="true"/>
-    <CSXSubmissionMarket xmlns="4873beb7-5857-4685-be1f-d57550cc96cc" xsi:nil="true"/>
-    <TPExecutable xmlns="4873beb7-5857-4685-be1f-d57550cc96cc" xsi:nil="true"/>
-    <SubmitterId xmlns="4873beb7-5857-4685-be1f-d57550cc96cc" xsi:nil="true"/>
-    <EditorialTags xmlns="4873beb7-5857-4685-be1f-d57550cc96cc" xsi:nil="true"/>
-    <AssetType xmlns="4873beb7-5857-4685-be1f-d57550cc96cc">TP</AssetType>
-    <BugNumber xmlns="4873beb7-5857-4685-be1f-d57550cc96cc" xsi:nil="true"/>
-    <CSXSubmissionDate xmlns="4873beb7-5857-4685-be1f-d57550cc96cc" xsi:nil="true"/>
-    <CSXUpdate xmlns="4873beb7-5857-4685-be1f-d57550cc96cc">false</CSXUpdate>
-    <ApprovalLog xmlns="4873beb7-5857-4685-be1f-d57550cc96cc" xsi:nil="true"/>
-    <Milestone xmlns="4873beb7-5857-4685-be1f-d57550cc96cc" xsi:nil="true"/>
-    <RecommendationsModifier xmlns="4873beb7-5857-4685-be1f-d57550cc96cc" xsi:nil="true"/>
-    <OriginAsset xmlns="4873beb7-5857-4685-be1f-d57550cc96cc" xsi:nil="true"/>
-    <TPComponent xmlns="4873beb7-5857-4685-be1f-d57550cc96cc" xsi:nil="true"/>
-    <AssetId xmlns="4873beb7-5857-4685-be1f-d57550cc96cc">TP104001342</AssetId>
-    <IntlLocPriority xmlns="4873beb7-5857-4685-be1f-d57550cc96cc" xsi:nil="true"/>
-    <PolicheckWords xmlns="4873beb7-5857-4685-be1f-d57550cc96cc" xsi:nil="true"/>
-    <TPLaunchHelpLink xmlns="4873beb7-5857-4685-be1f-d57550cc96cc" xsi:nil="true"/>
-    <TPApplication xmlns="4873beb7-5857-4685-be1f-d57550cc96cc" xsi:nil="true"/>
-    <CrawlForDependencies xmlns="4873beb7-5857-4685-be1f-d57550cc96cc">false</CrawlForDependencies>
-    <HandoffToMSDN xmlns="4873beb7-5857-4685-be1f-d57550cc96cc" xsi:nil="true"/>
-    <PlannedPubDate xmlns="4873beb7-5857-4685-be1f-d57550cc96cc" xsi:nil="true"/>
-    <IntlLangReviewer xmlns="4873beb7-5857-4685-be1f-d57550cc96cc" xsi:nil="true"/>
-    <TrustLevel xmlns="4873beb7-5857-4685-be1f-d57550cc96cc">1 Microsoft Managed Content</TrustLevel>
-    <LocLastLocAttemptVersionLookup xmlns="4873beb7-5857-4685-be1f-d57550cc96cc">875929</LocLastLocAttemptVersionLookup>
-    <IsSearchable xmlns="4873beb7-5857-4685-be1f-d57550cc96cc">true</IsSearchable>
-    <TemplateTemplateType xmlns="4873beb7-5857-4685-be1f-d57550cc96cc">PowerPoint Presentation Template</TemplateTemplateType>
-    <CampaignTagsTaxHTField0 xmlns="4873beb7-5857-4685-be1f-d57550cc96cc">
-      <Terms xmlns="http://schemas.microsoft.com/office/infopath/2007/PartnerControls"/>
-    </CampaignTagsTaxHTField0>
-    <TPNamespace xmlns="4873beb7-5857-4685-be1f-d57550cc96cc" xsi:nil="true"/>
-    <TaxCatchAll xmlns="4873beb7-5857-4685-be1f-d57550cc96cc"/>
-    <Markets xmlns="4873beb7-5857-4685-be1f-d57550cc96cc"/>
-    <UAProjectedTotalWords xmlns="4873beb7-5857-4685-be1f-d57550cc96cc" xsi:nil="true"/>
-    <LocMarketGroupTiers2 xmlns="4873beb7-5857-4685-be1f-d57550cc96cc" xsi:nil="true"/>
-    <IntlLangReview xmlns="4873beb7-5857-4685-be1f-d57550cc96cc">false</IntlLangReview>
-    <OutputCachingOn xmlns="4873beb7-5857-4685-be1f-d57550cc96cc">false</OutputCachingOn>
-    <AverageRating xmlns="4873beb7-5857-4685-be1f-d57550cc96cc" xsi:nil="true"/>
-    <APAuthor xmlns="4873beb7-5857-4685-be1f-d57550cc96cc">
-      <UserInfo>
-        <DisplayName>REDMOND\kristaa</DisplayName>
-        <AccountId>136</AccountId>
-        <AccountType/>
-      </UserInfo>
-    </APAuthor>
-    <LocManualTestRequired xmlns="4873beb7-5857-4685-be1f-d57550cc96cc">false</LocManualTestRequired>
-    <TPCommandLine xmlns="4873beb7-5857-4685-be1f-d57550cc96cc" xsi:nil="true"/>
-    <TPAppVersion xmlns="4873beb7-5857-4685-be1f-d57550cc96cc" xsi:nil="true"/>
-    <EditorialStatus xmlns="4873beb7-5857-4685-be1f-d57550cc96cc">Complete</EditorialStatus>
-    <LastModifiedDateTime xmlns="4873beb7-5857-4685-be1f-d57550cc96cc" xsi:nil="true"/>
-    <ScenarioTagsTaxHTField0 xmlns="4873beb7-5857-4685-be1f-d57550cc96cc">
-      <Terms xmlns="http://schemas.microsoft.com/office/infopath/2007/PartnerControls"/>
-    </ScenarioTagsTaxHTField0>
-    <OriginalRelease xmlns="4873beb7-5857-4685-be1f-d57550cc96cc">15</OriginalRelease>
-    <TPLaunchHelpLinkType xmlns="4873beb7-5857-4685-be1f-d57550cc96cc">Template</TPLaunchHelpLinkType>
-    <LocalizationTagsTaxHTField0 xmlns="4873beb7-5857-4685-be1f-d57550cc96cc">
-      <Terms xmlns="http://schemas.microsoft.com/office/infopath/2007/PartnerControls"/>
-    </LocalizationTagsTaxHTField0>
-  </documentManagement>
-</p:properties>
+<file path=customXml/itemProps1.xml><?xml version="1.0" encoding="utf-8"?>
+<ds:datastoreItem xmlns:ds="http://schemas.openxmlformats.org/officeDocument/2006/customXml" ds:itemID="{99B7E175-EA31-4EB5-9BCC-A945A8103674}">
+  <ds:schemaRefs>
+    <ds:schemaRef ds:uri="http://schemas.microsoft.com/sharepoint/v3/contenttype/forms"/>
+  </ds:schemaRefs>
+</ds:datastoreItem>
 </file>
 
-<file path=customXml/item3.xml><?xml version="1.0" encoding="utf-8"?>
-<?mso-contentType ?>
-<FormTemplates xmlns="http://schemas.microsoft.com/sharepoint/v3/contenttype/forms">
-  <Display>DocumentLibraryForm</Display>
-  <Edit>AssetEditForm</Edit>
-  <New>DocumentLibraryForm</New>
-</FormTemplates>
+<file path=customXml/itemProps2.xml><?xml version="1.0" encoding="utf-8"?>
+<ds:datastoreItem xmlns:ds="http://schemas.openxmlformats.org/officeDocument/2006/customXml" ds:itemID="{F04C2ADE-A257-45E6-A8A8-A5CFC12AD2E8}">
+  <ds:schemaRefs>
+    <ds:schemaRef ds:uri="http://purl.org/dc/terms/"/>
+    <ds:schemaRef ds:uri="http://purl.org/dc/elements/1.1/"/>
+    <ds:schemaRef ds:uri="http://schemas.microsoft.com/office/2006/documentManagement/types"/>
+    <ds:schemaRef ds:uri="http://schemas.openxmlformats.org/package/2006/metadata/core-properties"/>
+    <ds:schemaRef ds:uri="http://schemas.microsoft.com/office/infopath/2007/PartnerControls"/>
+    <ds:schemaRef ds:uri="http://purl.org/dc/dcmitype/"/>
+    <ds:schemaRef ds:uri="4873beb7-5857-4685-be1f-d57550cc96cc"/>
+    <ds:schemaRef ds:uri="http://schemas.microsoft.com/office/2006/metadata/properties"/>
+    <ds:schemaRef ds:uri="http://www.w3.org/XML/1998/namespace"/>
+  </ds:schemaRefs>
+</ds:datastoreItem>
 </file>
 
-<file path=customXml/itemProps1.xml><?xml version="1.0" encoding="utf-8"?>
+<file path=customXml/itemProps3.xml><?xml version="1.0" encoding="utf-8"?>
 <ds:datastoreItem xmlns:ds="http://schemas.openxmlformats.org/officeDocument/2006/customXml" ds:itemID="{81D71401-7A50-4150-9E41-8D26D4FD62D3}">
   <ds:schemaRefs>
     <ds:schemaRef ds:uri="http://schemas.microsoft.com/office/2006/metadata/contentType"/>
@@ -9519,22 +9681,4 @@
     <ds:schemaRef ds:uri="http://schemas.microsoft.com/internal/obd"/>
   </ds:schemaRefs>
 </ds:datastoreItem>
-</file>
-
-<file path=customXml/itemProps2.xml><?xml version="1.0" encoding="utf-8"?>
-<ds:datastoreItem xmlns:ds="http://schemas.openxmlformats.org/officeDocument/2006/customXml" ds:itemID="{F04C2ADE-A257-45E6-A8A8-A5CFC12AD2E8}">
-  <ds:schemaRefs>
-    <ds:schemaRef ds:uri="http://schemas.microsoft.com/office/2006/metadata/properties"/>
-    <ds:schemaRef ds:uri="http://schemas.microsoft.com/office/infopath/2007/PartnerControls"/>
-    <ds:schemaRef ds:uri="4873beb7-5857-4685-be1f-d57550cc96cc"/>
-  </ds:schemaRefs>
-</ds:datastoreItem>
-</file>
-
-<file path=customXml/itemProps3.xml><?xml version="1.0" encoding="utf-8"?>
-<ds:datastoreItem xmlns:ds="http://schemas.openxmlformats.org/officeDocument/2006/customXml" ds:itemID="{99B7E175-EA31-4EB5-9BCC-A945A8103674}">
-  <ds:schemaRefs>
-    <ds:schemaRef ds:uri="http://schemas.microsoft.com/sharepoint/v3/contenttype/forms"/>
-  </ds:schemaRefs>
-</ds:datastoreItem>
 </file>